--- a/src/ppt1_ar.pptx
+++ b/src/ppt1_ar.pptx
@@ -111,7 +111,7 @@
   </p:defaultTextStyle>
   <p:extLst>
     <p:ext uri="{EFAFB233-063F-42B5-8137-9DF3F51BA10A}">
-      <p15:sldGuideLst xmlns:p15="http://schemas.microsoft.com/office/powerpoint/2012/main">
+      <p15:sldGuideLst xmlns="" xmlns:p15="http://schemas.microsoft.com/office/powerpoint/2012/main">
         <p15:guide id="1" orient="horz" pos="2160">
           <p15:clr>
             <a:srgbClr val="A4A3A4"/>
@@ -851,7 +851,7 @@
             <a:fld id="{48A87A34-81AB-432B-8DAE-1953F412C126}" type="datetimeFigureOut">
               <a:rPr lang="en-US" smtClean="0"/>
               <a:pPr/>
-              <a:t>12/14/2017</a:t>
+              <a:t>2/26/2018</a:t>
             </a:fld>
             <a:endParaRPr lang="en-US" dirty="0"/>
           </a:p>
@@ -903,7 +903,7 @@
     </p:spTree>
     <p:extLst>
       <p:ext uri="{BB962C8B-B14F-4D97-AF65-F5344CB8AC3E}">
-        <p14:creationId xmlns:p14="http://schemas.microsoft.com/office/powerpoint/2010/main" val="2379700270"/>
+        <p14:creationId xmlns="" xmlns:p14="http://schemas.microsoft.com/office/powerpoint/2010/main" val="2379700270"/>
       </p:ext>
     </p:extLst>
   </p:cSld>
@@ -1104,7 +1104,7 @@
             <a:fld id="{48A87A34-81AB-432B-8DAE-1953F412C126}" type="datetimeFigureOut">
               <a:rPr lang="en-US" smtClean="0"/>
               <a:pPr/>
-              <a:t>12/14/2017</a:t>
+              <a:t>2/26/2018</a:t>
             </a:fld>
             <a:endParaRPr lang="en-US" dirty="0"/>
           </a:p>
@@ -1156,7 +1156,7 @@
     </p:spTree>
     <p:extLst>
       <p:ext uri="{BB962C8B-B14F-4D97-AF65-F5344CB8AC3E}">
-        <p14:creationId xmlns:p14="http://schemas.microsoft.com/office/powerpoint/2010/main" val="1804991245"/>
+        <p14:creationId xmlns="" xmlns:p14="http://schemas.microsoft.com/office/powerpoint/2010/main" val="1804991245"/>
       </p:ext>
     </p:extLst>
   </p:cSld>
@@ -1420,7 +1420,7 @@
             <a:fld id="{48A87A34-81AB-432B-8DAE-1953F412C126}" type="datetimeFigureOut">
               <a:rPr lang="en-US" smtClean="0"/>
               <a:pPr/>
-              <a:t>12/14/2017</a:t>
+              <a:t>2/26/2018</a:t>
             </a:fld>
             <a:endParaRPr lang="en-US" dirty="0"/>
           </a:p>
@@ -1562,7 +1562,7 @@
     </p:spTree>
     <p:extLst>
       <p:ext uri="{BB962C8B-B14F-4D97-AF65-F5344CB8AC3E}">
-        <p14:creationId xmlns:p14="http://schemas.microsoft.com/office/powerpoint/2010/main" val="1473712570"/>
+        <p14:creationId xmlns="" xmlns:p14="http://schemas.microsoft.com/office/powerpoint/2010/main" val="1473712570"/>
       </p:ext>
     </p:extLst>
   </p:cSld>
@@ -1763,7 +1763,7 @@
             <a:fld id="{48A87A34-81AB-432B-8DAE-1953F412C126}" type="datetimeFigureOut">
               <a:rPr lang="en-US" smtClean="0"/>
               <a:pPr/>
-              <a:t>12/14/2017</a:t>
+              <a:t>2/26/2018</a:t>
             </a:fld>
             <a:endParaRPr lang="en-US" dirty="0"/>
           </a:p>
@@ -1815,7 +1815,7 @@
     </p:spTree>
     <p:extLst>
       <p:ext uri="{BB962C8B-B14F-4D97-AF65-F5344CB8AC3E}">
-        <p14:creationId xmlns:p14="http://schemas.microsoft.com/office/powerpoint/2010/main" val="2530574234"/>
+        <p14:creationId xmlns="" xmlns:p14="http://schemas.microsoft.com/office/powerpoint/2010/main" val="2530574234"/>
       </p:ext>
     </p:extLst>
   </p:cSld>
@@ -2079,7 +2079,7 @@
             <a:fld id="{48A87A34-81AB-432B-8DAE-1953F412C126}" type="datetimeFigureOut">
               <a:rPr lang="en-US" smtClean="0"/>
               <a:pPr/>
-              <a:t>12/14/2017</a:t>
+              <a:t>2/26/2018</a:t>
             </a:fld>
             <a:endParaRPr lang="en-US" dirty="0"/>
           </a:p>
@@ -2213,7 +2213,7 @@
     </p:spTree>
     <p:extLst>
       <p:ext uri="{BB962C8B-B14F-4D97-AF65-F5344CB8AC3E}">
-        <p14:creationId xmlns:p14="http://schemas.microsoft.com/office/powerpoint/2010/main" val="1004790222"/>
+        <p14:creationId xmlns="" xmlns:p14="http://schemas.microsoft.com/office/powerpoint/2010/main" val="1004790222"/>
       </p:ext>
     </p:extLst>
   </p:cSld>
@@ -2474,7 +2474,7 @@
             <a:fld id="{48A87A34-81AB-432B-8DAE-1953F412C126}" type="datetimeFigureOut">
               <a:rPr lang="en-US" smtClean="0"/>
               <a:pPr/>
-              <a:t>12/14/2017</a:t>
+              <a:t>2/26/2018</a:t>
             </a:fld>
             <a:endParaRPr lang="en-US" dirty="0"/>
           </a:p>
@@ -2526,7 +2526,7 @@
     </p:spTree>
     <p:extLst>
       <p:ext uri="{BB962C8B-B14F-4D97-AF65-F5344CB8AC3E}">
-        <p14:creationId xmlns:p14="http://schemas.microsoft.com/office/powerpoint/2010/main" val="3328784466"/>
+        <p14:creationId xmlns="" xmlns:p14="http://schemas.microsoft.com/office/powerpoint/2010/main" val="3328784466"/>
       </p:ext>
     </p:extLst>
   </p:cSld>
@@ -2646,7 +2646,7 @@
             <a:fld id="{48A87A34-81AB-432B-8DAE-1953F412C126}" type="datetimeFigureOut">
               <a:rPr lang="en-US" smtClean="0"/>
               <a:pPr/>
-              <a:t>12/14/2017</a:t>
+              <a:t>2/26/2018</a:t>
             </a:fld>
             <a:endParaRPr lang="en-US" dirty="0"/>
           </a:p>
@@ -2698,7 +2698,7 @@
     </p:spTree>
     <p:extLst>
       <p:ext uri="{BB962C8B-B14F-4D97-AF65-F5344CB8AC3E}">
-        <p14:creationId xmlns:p14="http://schemas.microsoft.com/office/powerpoint/2010/main" val="1447070425"/>
+        <p14:creationId xmlns="" xmlns:p14="http://schemas.microsoft.com/office/powerpoint/2010/main" val="1447070425"/>
       </p:ext>
     </p:extLst>
   </p:cSld>
@@ -2828,7 +2828,7 @@
             <a:fld id="{48A87A34-81AB-432B-8DAE-1953F412C126}" type="datetimeFigureOut">
               <a:rPr lang="en-US" smtClean="0"/>
               <a:pPr/>
-              <a:t>12/14/2017</a:t>
+              <a:t>2/26/2018</a:t>
             </a:fld>
             <a:endParaRPr lang="en-US" dirty="0"/>
           </a:p>
@@ -2880,7 +2880,7 @@
     </p:spTree>
     <p:extLst>
       <p:ext uri="{BB962C8B-B14F-4D97-AF65-F5344CB8AC3E}">
-        <p14:creationId xmlns:p14="http://schemas.microsoft.com/office/powerpoint/2010/main" val="3648480235"/>
+        <p14:creationId xmlns="" xmlns:p14="http://schemas.microsoft.com/office/powerpoint/2010/main" val="3648480235"/>
       </p:ext>
     </p:extLst>
   </p:cSld>
@@ -3006,7 +3006,7 @@
             <a:fld id="{48A87A34-81AB-432B-8DAE-1953F412C126}" type="datetimeFigureOut">
               <a:rPr lang="en-US" smtClean="0"/>
               <a:pPr/>
-              <a:t>12/14/2017</a:t>
+              <a:t>2/26/2018</a:t>
             </a:fld>
             <a:endParaRPr lang="en-US" dirty="0"/>
           </a:p>
@@ -3058,7 +3058,7 @@
     </p:spTree>
     <p:extLst>
       <p:ext uri="{BB962C8B-B14F-4D97-AF65-F5344CB8AC3E}">
-        <p14:creationId xmlns:p14="http://schemas.microsoft.com/office/powerpoint/2010/main" val="2649633687"/>
+        <p14:creationId xmlns="" xmlns:p14="http://schemas.microsoft.com/office/powerpoint/2010/main" val="2649633687"/>
       </p:ext>
     </p:extLst>
   </p:cSld>
@@ -3255,7 +3255,7 @@
             <a:fld id="{48A87A34-81AB-432B-8DAE-1953F412C126}" type="datetimeFigureOut">
               <a:rPr lang="en-US" smtClean="0"/>
               <a:pPr/>
-              <a:t>12/14/2017</a:t>
+              <a:t>2/26/2018</a:t>
             </a:fld>
             <a:endParaRPr lang="en-US" dirty="0"/>
           </a:p>
@@ -3307,7 +3307,7 @@
     </p:spTree>
     <p:extLst>
       <p:ext uri="{BB962C8B-B14F-4D97-AF65-F5344CB8AC3E}">
-        <p14:creationId xmlns:p14="http://schemas.microsoft.com/office/powerpoint/2010/main" val="572893903"/>
+        <p14:creationId xmlns="" xmlns:p14="http://schemas.microsoft.com/office/powerpoint/2010/main" val="572893903"/>
       </p:ext>
     </p:extLst>
   </p:cSld>
@@ -3489,7 +3489,7 @@
             <a:fld id="{48A87A34-81AB-432B-8DAE-1953F412C126}" type="datetimeFigureOut">
               <a:rPr lang="en-US" smtClean="0"/>
               <a:pPr/>
-              <a:t>12/14/2017</a:t>
+              <a:t>2/26/2018</a:t>
             </a:fld>
             <a:endParaRPr lang="en-US" dirty="0"/>
           </a:p>
@@ -3541,7 +3541,7 @@
     </p:spTree>
     <p:extLst>
       <p:ext uri="{BB962C8B-B14F-4D97-AF65-F5344CB8AC3E}">
-        <p14:creationId xmlns:p14="http://schemas.microsoft.com/office/powerpoint/2010/main" val="3918475607"/>
+        <p14:creationId xmlns="" xmlns:p14="http://schemas.microsoft.com/office/powerpoint/2010/main" val="3918475607"/>
       </p:ext>
     </p:extLst>
   </p:cSld>
@@ -3865,7 +3865,7 @@
             <a:fld id="{48A87A34-81AB-432B-8DAE-1953F412C126}" type="datetimeFigureOut">
               <a:rPr lang="en-US" smtClean="0"/>
               <a:pPr/>
-              <a:t>12/14/2017</a:t>
+              <a:t>2/26/2018</a:t>
             </a:fld>
             <a:endParaRPr lang="en-US" dirty="0"/>
           </a:p>
@@ -3917,7 +3917,7 @@
     </p:spTree>
     <p:extLst>
       <p:ext uri="{BB962C8B-B14F-4D97-AF65-F5344CB8AC3E}">
-        <p14:creationId xmlns:p14="http://schemas.microsoft.com/office/powerpoint/2010/main" val="70569158"/>
+        <p14:creationId xmlns="" xmlns:p14="http://schemas.microsoft.com/office/powerpoint/2010/main" val="70569158"/>
       </p:ext>
     </p:extLst>
   </p:cSld>
@@ -3990,7 +3990,7 @@
             <a:fld id="{48A87A34-81AB-432B-8DAE-1953F412C126}" type="datetimeFigureOut">
               <a:rPr lang="en-US" smtClean="0"/>
               <a:pPr/>
-              <a:t>12/14/2017</a:t>
+              <a:t>2/26/2018</a:t>
             </a:fld>
             <a:endParaRPr lang="en-US" dirty="0"/>
           </a:p>
@@ -4042,7 +4042,7 @@
     </p:spTree>
     <p:extLst>
       <p:ext uri="{BB962C8B-B14F-4D97-AF65-F5344CB8AC3E}">
-        <p14:creationId xmlns:p14="http://schemas.microsoft.com/office/powerpoint/2010/main" val="3956773614"/>
+        <p14:creationId xmlns="" xmlns:p14="http://schemas.microsoft.com/office/powerpoint/2010/main" val="3956773614"/>
       </p:ext>
     </p:extLst>
   </p:cSld>
@@ -4087,7 +4087,7 @@
             <a:fld id="{48A87A34-81AB-432B-8DAE-1953F412C126}" type="datetimeFigureOut">
               <a:rPr lang="en-US" smtClean="0"/>
               <a:pPr/>
-              <a:t>12/14/2017</a:t>
+              <a:t>2/26/2018</a:t>
             </a:fld>
             <a:endParaRPr lang="en-US" dirty="0"/>
           </a:p>
@@ -4139,7 +4139,7 @@
     </p:spTree>
     <p:extLst>
       <p:ext uri="{BB962C8B-B14F-4D97-AF65-F5344CB8AC3E}">
-        <p14:creationId xmlns:p14="http://schemas.microsoft.com/office/powerpoint/2010/main" val="843387325"/>
+        <p14:creationId xmlns="" xmlns:p14="http://schemas.microsoft.com/office/powerpoint/2010/main" val="843387325"/>
       </p:ext>
     </p:extLst>
   </p:cSld>
@@ -4344,7 +4344,7 @@
             <a:fld id="{48A87A34-81AB-432B-8DAE-1953F412C126}" type="datetimeFigureOut">
               <a:rPr lang="en-US" smtClean="0"/>
               <a:pPr/>
-              <a:t>12/14/2017</a:t>
+              <a:t>2/26/2018</a:t>
             </a:fld>
             <a:endParaRPr lang="en-US" dirty="0"/>
           </a:p>
@@ -4396,7 +4396,7 @@
     </p:spTree>
     <p:extLst>
       <p:ext uri="{BB962C8B-B14F-4D97-AF65-F5344CB8AC3E}">
-        <p14:creationId xmlns:p14="http://schemas.microsoft.com/office/powerpoint/2010/main" val="614752468"/>
+        <p14:creationId xmlns="" xmlns:p14="http://schemas.microsoft.com/office/powerpoint/2010/main" val="614752468"/>
       </p:ext>
     </p:extLst>
   </p:cSld>
@@ -4609,7 +4609,7 @@
             <a:fld id="{48A87A34-81AB-432B-8DAE-1953F412C126}" type="datetimeFigureOut">
               <a:rPr lang="en-US" smtClean="0"/>
               <a:pPr/>
-              <a:t>12/14/2017</a:t>
+              <a:t>2/26/2018</a:t>
             </a:fld>
             <a:endParaRPr lang="en-US" dirty="0"/>
           </a:p>
@@ -4661,7 +4661,7 @@
     </p:spTree>
     <p:extLst>
       <p:ext uri="{BB962C8B-B14F-4D97-AF65-F5344CB8AC3E}">
-        <p14:creationId xmlns:p14="http://schemas.microsoft.com/office/powerpoint/2010/main" val="2525773852"/>
+        <p14:creationId xmlns="" xmlns:p14="http://schemas.microsoft.com/office/powerpoint/2010/main" val="2525773852"/>
       </p:ext>
     </p:extLst>
   </p:cSld>
@@ -5354,7 +5354,7 @@
             <a:fld id="{48A87A34-81AB-432B-8DAE-1953F412C126}" type="datetimeFigureOut">
               <a:rPr lang="en-US" smtClean="0"/>
               <a:pPr/>
-              <a:t>12/14/2017</a:t>
+              <a:t>2/26/2018</a:t>
             </a:fld>
             <a:endParaRPr lang="en-US" dirty="0"/>
           </a:p>
@@ -5440,7 +5440,7 @@
     </p:spTree>
     <p:extLst>
       <p:ext uri="{BB962C8B-B14F-4D97-AF65-F5344CB8AC3E}">
-        <p14:creationId xmlns:p14="http://schemas.microsoft.com/office/powerpoint/2010/main" val="2849168193"/>
+        <p14:creationId xmlns="" xmlns:p14="http://schemas.microsoft.com/office/powerpoint/2010/main" val="2849168193"/>
       </p:ext>
     </p:extLst>
   </p:cSld>
@@ -5978,7 +5978,7 @@
           <a:blip r:embed="rId2" cstate="print">
             <a:extLst>
               <a:ext uri="{28A0092B-C50C-407E-A947-70E740481C1C}">
-                <a14:useLocalDpi xmlns:a14="http://schemas.microsoft.com/office/drawing/2010/main" val="0"/>
+                <a14:useLocalDpi xmlns="" xmlns:a14="http://schemas.microsoft.com/office/drawing/2010/main" val="0"/>
               </a:ext>
             </a:extLst>
           </a:blip>
@@ -5999,7 +5999,7 @@
     </p:spTree>
     <p:extLst>
       <p:ext uri="{BB962C8B-B14F-4D97-AF65-F5344CB8AC3E}">
-        <p14:creationId xmlns:p14="http://schemas.microsoft.com/office/powerpoint/2010/main" val="1597654807"/>
+        <p14:creationId xmlns="" xmlns:p14="http://schemas.microsoft.com/office/powerpoint/2010/main" val="1597654807"/>
       </p:ext>
     </p:extLst>
   </p:cSld>
@@ -6191,7 +6191,7 @@
     </p:spTree>
     <p:extLst>
       <p:ext uri="{BB962C8B-B14F-4D97-AF65-F5344CB8AC3E}">
-        <p14:creationId xmlns:p14="http://schemas.microsoft.com/office/powerpoint/2010/main" val="2508929371"/>
+        <p14:creationId xmlns="" xmlns:p14="http://schemas.microsoft.com/office/powerpoint/2010/main" val="2508929371"/>
       </p:ext>
     </p:extLst>
   </p:cSld>
@@ -6249,13 +6249,13 @@
           <a:p>
             <a:pPr algn="r"/>
             <a:r>
-              <a:rPr lang="ar-EG" sz="6600" b="1" dirty="0" smtClean="0">
+              <a:rPr lang="ar-EG" sz="5400" b="1" dirty="0" smtClean="0">
                 <a:latin typeface="Ara Hamah Alislam" panose="00000500000000000000" pitchFamily="2" charset="-78"/>
                 <a:cs typeface="Ara Hamah Alislam" panose="00000500000000000000" pitchFamily="2" charset="-78"/>
               </a:rPr>
               <a:t>الأنظمة الروبوتية – هيا لنتعرف </a:t>
             </a:r>
-            <a:endParaRPr lang="he-IL" sz="6600" b="1" dirty="0">
+            <a:endParaRPr lang="he-IL" sz="5400" b="1" dirty="0">
               <a:latin typeface="Ara Hamah Alislam" panose="00000500000000000000" pitchFamily="2" charset="-78"/>
             </a:endParaRPr>
           </a:p>
@@ -6273,29 +6273,29 @@
         </p:nvSpPr>
         <p:spPr>
           <a:xfrm>
-            <a:off x="300041" y="1920409"/>
-            <a:ext cx="10895783" cy="4641850"/>
+            <a:off x="300042" y="1920409"/>
+            <a:ext cx="9388904" cy="4641850"/>
           </a:xfrm>
         </p:spPr>
         <p:txBody>
           <a:bodyPr>
-            <a:normAutofit fontScale="92500" lnSpcReduction="20000"/>
+            <a:noAutofit/>
           </a:bodyPr>
           <a:lstStyle/>
           <a:p>
             <a:r>
-              <a:rPr lang="he-IL" altLang="he-IL" sz="3200" b="1" dirty="0" smtClean="0"/>
+              <a:rPr lang="he-IL" altLang="he-IL" sz="2400" b="1" dirty="0" smtClean="0"/>
               <a:t> </a:t>
             </a:r>
             <a:r>
-              <a:rPr lang="ar-EG" altLang="he-IL" sz="5200" b="1" dirty="0" smtClean="0">
+              <a:rPr lang="ar-EG" altLang="he-IL" sz="4000" b="1" dirty="0" smtClean="0">
                 <a:latin typeface="Ara Hamah Alislam" panose="00000500000000000000" pitchFamily="2" charset="-78"/>
                 <a:cs typeface="Ara Hamah Alislam" panose="00000500000000000000" pitchFamily="2" charset="-78"/>
               </a:rPr>
               <a:t>ما هو الروبوت</a:t>
             </a:r>
             <a:r>
-              <a:rPr lang="he-IL" altLang="he-IL" sz="5200" b="1" dirty="0" smtClean="0">
+              <a:rPr lang="he-IL" altLang="he-IL" sz="4000" b="1" dirty="0" smtClean="0">
                 <a:latin typeface="Ara Hamah Alislam" panose="00000500000000000000" pitchFamily="2" charset="-78"/>
               </a:rPr>
               <a:t>?</a:t>
@@ -6304,80 +6304,80 @@
           <a:p>
             <a:pPr lvl="1"/>
             <a:r>
-              <a:rPr lang="ar-EG" altLang="he-IL" sz="5200" b="1" dirty="0" smtClean="0">
+              <a:rPr lang="ar-EG" altLang="he-IL" sz="4000" b="1" dirty="0" smtClean="0">
                 <a:latin typeface="Ara Hamah Alislam" panose="00000500000000000000" pitchFamily="2" charset="-78"/>
                 <a:cs typeface="Ara Hamah Alislam" panose="00000500000000000000" pitchFamily="2" charset="-78"/>
               </a:rPr>
               <a:t> آلة </a:t>
             </a:r>
-            <a:endParaRPr lang="he-IL" altLang="he-IL" sz="5200" b="1" dirty="0" smtClean="0">
+            <a:endParaRPr lang="he-IL" altLang="he-IL" sz="4000" b="1" dirty="0" smtClean="0">
               <a:latin typeface="Ara Hamah Alislam" panose="00000500000000000000" pitchFamily="2" charset="-78"/>
             </a:endParaRPr>
           </a:p>
           <a:p>
             <a:pPr lvl="1"/>
             <a:r>
-              <a:rPr lang="he-IL" altLang="he-IL" sz="5200" b="1" dirty="0" smtClean="0">
+              <a:rPr lang="he-IL" altLang="he-IL" sz="4000" b="1" dirty="0" smtClean="0">
                 <a:latin typeface="Ara Hamah Alislam" panose="00000500000000000000" pitchFamily="2" charset="-78"/>
               </a:rPr>
               <a:t> </a:t>
             </a:r>
             <a:r>
-              <a:rPr lang="ar-EG" altLang="he-IL" sz="5200" b="1" dirty="0" smtClean="0">
+              <a:rPr lang="ar-EG" altLang="he-IL" sz="4000" b="1" dirty="0" smtClean="0">
                 <a:latin typeface="Ara Hamah Alislam" panose="00000500000000000000" pitchFamily="2" charset="-78"/>
                 <a:cs typeface="Ara Hamah Alislam" panose="00000500000000000000" pitchFamily="2" charset="-78"/>
               </a:rPr>
               <a:t>أوتوماتكية </a:t>
             </a:r>
-            <a:endParaRPr lang="he-IL" altLang="he-IL" sz="5200" b="1" dirty="0" smtClean="0">
+            <a:endParaRPr lang="he-IL" altLang="he-IL" sz="4000" b="1" dirty="0" smtClean="0">
               <a:latin typeface="Ara Hamah Alislam" panose="00000500000000000000" pitchFamily="2" charset="-78"/>
             </a:endParaRPr>
           </a:p>
           <a:p>
             <a:pPr lvl="1"/>
             <a:r>
-              <a:rPr lang="he-IL" altLang="he-IL" sz="5200" b="1" dirty="0" smtClean="0">
+              <a:rPr lang="he-IL" altLang="he-IL" sz="4000" b="1" dirty="0" smtClean="0">
                 <a:latin typeface="Ara Hamah Alislam" panose="00000500000000000000" pitchFamily="2" charset="-78"/>
               </a:rPr>
               <a:t> </a:t>
             </a:r>
             <a:r>
-              <a:rPr lang="ar-EG" altLang="he-IL" sz="5200" b="1" dirty="0" smtClean="0">
+              <a:rPr lang="ar-EG" altLang="he-IL" sz="4000" b="1" dirty="0" smtClean="0">
                 <a:latin typeface="Ara Hamah Alislam" panose="00000500000000000000" pitchFamily="2" charset="-78"/>
                 <a:cs typeface="Ara Hamah Alislam" panose="00000500000000000000" pitchFamily="2" charset="-78"/>
               </a:rPr>
               <a:t>قابلة للبرمجة</a:t>
             </a:r>
-            <a:endParaRPr lang="he-IL" altLang="he-IL" sz="5200" b="1" dirty="0" smtClean="0">
+            <a:endParaRPr lang="he-IL" altLang="he-IL" sz="4000" b="1" dirty="0" smtClean="0">
               <a:latin typeface="Ara Hamah Alislam" panose="00000500000000000000" pitchFamily="2" charset="-78"/>
             </a:endParaRPr>
           </a:p>
           <a:p>
-            <a:endParaRPr lang="he-IL" altLang="he-IL" sz="5200" b="1" dirty="0" smtClean="0">
+            <a:endParaRPr lang="he-IL" altLang="he-IL" sz="4000" b="1" dirty="0" smtClean="0">
               <a:latin typeface="Ara Hamah Alislam" panose="00000500000000000000" pitchFamily="2" charset="-78"/>
             </a:endParaRPr>
           </a:p>
           <a:p>
             <a:r>
-              <a:rPr lang="he-IL" altLang="he-IL" sz="5200" b="1" dirty="0" smtClean="0">
+              <a:rPr lang="he-IL" altLang="he-IL" sz="4000" b="1" dirty="0" smtClean="0">
                 <a:latin typeface="Ara Hamah Alislam" panose="00000500000000000000" pitchFamily="2" charset="-78"/>
               </a:rPr>
               <a:t> </a:t>
             </a:r>
             <a:r>
-              <a:rPr lang="ar-EG" altLang="he-IL" sz="5200" b="1" dirty="0" smtClean="0">
+              <a:rPr lang="ar-EG" altLang="he-IL" sz="4000" b="1" dirty="0" smtClean="0">
                 <a:latin typeface="Ara Hamah Alislam" panose="00000500000000000000" pitchFamily="2" charset="-78"/>
                 <a:cs typeface="Ara Hamah Alislam" panose="00000500000000000000" pitchFamily="2" charset="-78"/>
               </a:rPr>
               <a:t>أنواع الروبوتات </a:t>
             </a:r>
-            <a:endParaRPr lang="he-IL" altLang="he-IL" sz="5200" b="1" dirty="0" smtClean="0">
+            <a:endParaRPr lang="he-IL" altLang="he-IL" sz="4000" b="1" dirty="0" smtClean="0">
               <a:latin typeface="Ara Hamah Alislam" panose="00000500000000000000" pitchFamily="2" charset="-78"/>
             </a:endParaRPr>
           </a:p>
           <a:p>
             <a:pPr algn="r" rtl="1" eaLnBrk="1" hangingPunct="1"/>
-            <a:endParaRPr lang="he-IL" altLang="he-IL" sz="3600" b="1" dirty="0" smtClean="0"/>
+            <a:endParaRPr lang="he-IL" altLang="he-IL" sz="2800" b="1" dirty="0" smtClean="0"/>
           </a:p>
         </p:txBody>
       </p:sp>
@@ -6393,7 +6393,7 @@
           <a:blip r:embed="rId2" cstate="print">
             <a:extLst>
               <a:ext uri="{28A0092B-C50C-407E-A947-70E740481C1C}">
-                <a14:useLocalDpi xmlns:a14="http://schemas.microsoft.com/office/drawing/2010/main" val="0"/>
+                <a14:useLocalDpi xmlns="" xmlns:a14="http://schemas.microsoft.com/office/drawing/2010/main" val="0"/>
               </a:ext>
             </a:extLst>
           </a:blip>
@@ -6403,8 +6403,8 @@
         </p:blipFill>
         <p:spPr>
           <a:xfrm>
-            <a:off x="2767868" y="5421850"/>
-            <a:ext cx="1971256" cy="1421525"/>
+            <a:off x="2250632" y="5384913"/>
+            <a:ext cx="1625423" cy="1172135"/>
           </a:xfrm>
           <a:prstGeom prst="rect">
             <a:avLst/>
@@ -6428,8 +6428,8 @@
         </p:blipFill>
         <p:spPr bwMode="auto">
           <a:xfrm>
-            <a:off x="2645776" y="3482882"/>
-            <a:ext cx="2686051" cy="1704975"/>
+            <a:off x="2110067" y="3403309"/>
+            <a:ext cx="2214814" cy="1405857"/>
           </a:xfrm>
           <a:prstGeom prst="rect">
             <a:avLst/>
@@ -6460,8 +6460,8 @@
         </p:blipFill>
         <p:spPr bwMode="auto">
           <a:xfrm>
-            <a:off x="0" y="4644701"/>
-            <a:ext cx="2438400" cy="1876425"/>
+            <a:off x="0" y="5310772"/>
+            <a:ext cx="2010611" cy="1547228"/>
           </a:xfrm>
           <a:prstGeom prst="rect">
             <a:avLst/>
@@ -6492,8 +6492,8 @@
         </p:blipFill>
         <p:spPr bwMode="auto">
           <a:xfrm>
-            <a:off x="5119437" y="5109020"/>
-            <a:ext cx="2657475" cy="1714500"/>
+            <a:off x="4131146" y="5444289"/>
+            <a:ext cx="2191252" cy="1413711"/>
           </a:xfrm>
           <a:prstGeom prst="rect">
             <a:avLst/>
@@ -6524,8 +6524,8 @@
         </p:blipFill>
         <p:spPr bwMode="auto">
           <a:xfrm>
-            <a:off x="0" y="2303766"/>
-            <a:ext cx="2143125" cy="2143125"/>
+            <a:off x="0" y="3243170"/>
+            <a:ext cx="1767139" cy="1767139"/>
           </a:xfrm>
           <a:prstGeom prst="rect">
             <a:avLst/>
@@ -6556,8 +6556,8 @@
         </p:blipFill>
         <p:spPr bwMode="auto">
           <a:xfrm>
-            <a:off x="2435360" y="1516579"/>
-            <a:ext cx="2619375" cy="1743075"/>
+            <a:off x="0" y="1545290"/>
+            <a:ext cx="2159836" cy="1437273"/>
           </a:xfrm>
           <a:prstGeom prst="rect">
             <a:avLst/>
@@ -6588,8 +6588,8 @@
         </p:blipFill>
         <p:spPr bwMode="auto">
           <a:xfrm>
-            <a:off x="5357660" y="1475236"/>
-            <a:ext cx="2457451" cy="1857375"/>
+            <a:off x="2549806" y="1468583"/>
+            <a:ext cx="2026320" cy="1531520"/>
           </a:xfrm>
           <a:prstGeom prst="rect">
             <a:avLst/>
@@ -6619,8 +6619,8 @@
         </p:blipFill>
         <p:spPr>
           <a:xfrm>
-            <a:off x="6145010" y="3497651"/>
-            <a:ext cx="1342857" cy="1428572"/>
+            <a:off x="4741083" y="3434241"/>
+            <a:ext cx="1107269" cy="1177946"/>
           </a:xfrm>
           <a:prstGeom prst="rect">
             <a:avLst/>
@@ -6630,7 +6630,7 @@
     </p:spTree>
     <p:extLst>
       <p:ext uri="{BB962C8B-B14F-4D97-AF65-F5344CB8AC3E}">
-        <p14:creationId xmlns:p14="http://schemas.microsoft.com/office/powerpoint/2010/main" val="2508929371"/>
+        <p14:creationId xmlns="" xmlns:p14="http://schemas.microsoft.com/office/powerpoint/2010/main" val="2508929371"/>
       </p:ext>
     </p:extLst>
   </p:cSld>
@@ -6640,7 +6640,264 @@
   <p:timing>
     <p:tnLst>
       <p:par>
-        <p:cTn id="1" dur="indefinite" restart="never" nodeType="tmRoot"/>
+        <p:cTn id="1" dur="indefinite" restart="never" nodeType="tmRoot">
+          <p:childTnLst>
+            <p:seq concurrent="1" nextAc="seek">
+              <p:cTn id="2" dur="indefinite" nodeType="mainSeq">
+                <p:childTnLst>
+                  <p:par>
+                    <p:cTn id="3" fill="hold">
+                      <p:stCondLst>
+                        <p:cond delay="indefinite"/>
+                      </p:stCondLst>
+                      <p:childTnLst>
+                        <p:par>
+                          <p:cTn id="4" fill="hold">
+                            <p:stCondLst>
+                              <p:cond delay="0"/>
+                            </p:stCondLst>
+                            <p:childTnLst>
+                              <p:par>
+                                <p:cTn id="5" presetID="1" presetClass="entr" presetSubtype="0" fill="hold" nodeType="clickEffect">
+                                  <p:stCondLst>
+                                    <p:cond delay="0"/>
+                                  </p:stCondLst>
+                                  <p:childTnLst>
+                                    <p:set>
+                                      <p:cBhvr>
+                                        <p:cTn id="6" dur="1" fill="hold">
+                                          <p:stCondLst>
+                                            <p:cond delay="0"/>
+                                          </p:stCondLst>
+                                        </p:cTn>
+                                        <p:tgtEl>
+                                          <p:spTgt spid="15"/>
+                                        </p:tgtEl>
+                                        <p:attrNameLst>
+                                          <p:attrName>style.visibility</p:attrName>
+                                        </p:attrNameLst>
+                                      </p:cBhvr>
+                                      <p:to>
+                                        <p:strVal val="visible"/>
+                                      </p:to>
+                                    </p:set>
+                                  </p:childTnLst>
+                                </p:cTn>
+                              </p:par>
+                              <p:par>
+                                <p:cTn id="7" presetID="1" presetClass="entr" presetSubtype="0" fill="hold" nodeType="withEffect">
+                                  <p:stCondLst>
+                                    <p:cond delay="0"/>
+                                  </p:stCondLst>
+                                  <p:childTnLst>
+                                    <p:set>
+                                      <p:cBhvr>
+                                        <p:cTn id="8" dur="1" fill="hold">
+                                          <p:stCondLst>
+                                            <p:cond delay="0"/>
+                                          </p:stCondLst>
+                                        </p:cTn>
+                                        <p:tgtEl>
+                                          <p:spTgt spid="14"/>
+                                        </p:tgtEl>
+                                        <p:attrNameLst>
+                                          <p:attrName>style.visibility</p:attrName>
+                                        </p:attrNameLst>
+                                      </p:cBhvr>
+                                      <p:to>
+                                        <p:strVal val="visible"/>
+                                      </p:to>
+                                    </p:set>
+                                  </p:childTnLst>
+                                </p:cTn>
+                              </p:par>
+                              <p:par>
+                                <p:cTn id="9" presetID="1" presetClass="entr" presetSubtype="0" fill="hold" nodeType="withEffect">
+                                  <p:stCondLst>
+                                    <p:cond delay="0"/>
+                                  </p:stCondLst>
+                                  <p:childTnLst>
+                                    <p:set>
+                                      <p:cBhvr>
+                                        <p:cTn id="10" dur="1" fill="hold">
+                                          <p:stCondLst>
+                                            <p:cond delay="0"/>
+                                          </p:stCondLst>
+                                        </p:cTn>
+                                        <p:tgtEl>
+                                          <p:spTgt spid="13"/>
+                                        </p:tgtEl>
+                                        <p:attrNameLst>
+                                          <p:attrName>style.visibility</p:attrName>
+                                        </p:attrNameLst>
+                                      </p:cBhvr>
+                                      <p:to>
+                                        <p:strVal val="visible"/>
+                                      </p:to>
+                                    </p:set>
+                                  </p:childTnLst>
+                                </p:cTn>
+                              </p:par>
+                              <p:par>
+                                <p:cTn id="11" presetID="1" presetClass="entr" presetSubtype="0" fill="hold" nodeType="withEffect">
+                                  <p:stCondLst>
+                                    <p:cond delay="0"/>
+                                  </p:stCondLst>
+                                  <p:childTnLst>
+                                    <p:set>
+                                      <p:cBhvr>
+                                        <p:cTn id="12" dur="1" fill="hold">
+                                          <p:stCondLst>
+                                            <p:cond delay="0"/>
+                                          </p:stCondLst>
+                                        </p:cTn>
+                                        <p:tgtEl>
+                                          <p:spTgt spid="11"/>
+                                        </p:tgtEl>
+                                        <p:attrNameLst>
+                                          <p:attrName>style.visibility</p:attrName>
+                                        </p:attrNameLst>
+                                      </p:cBhvr>
+                                      <p:to>
+                                        <p:strVal val="visible"/>
+                                      </p:to>
+                                    </p:set>
+                                  </p:childTnLst>
+                                </p:cTn>
+                              </p:par>
+                              <p:par>
+                                <p:cTn id="13" presetID="1" presetClass="entr" presetSubtype="0" fill="hold" nodeType="withEffect">
+                                  <p:stCondLst>
+                                    <p:cond delay="0"/>
+                                  </p:stCondLst>
+                                  <p:childTnLst>
+                                    <p:set>
+                                      <p:cBhvr>
+                                        <p:cTn id="14" dur="1" fill="hold">
+                                          <p:stCondLst>
+                                            <p:cond delay="0"/>
+                                          </p:stCondLst>
+                                        </p:cTn>
+                                        <p:tgtEl>
+                                          <p:spTgt spid="10"/>
+                                        </p:tgtEl>
+                                        <p:attrNameLst>
+                                          <p:attrName>style.visibility</p:attrName>
+                                        </p:attrNameLst>
+                                      </p:cBhvr>
+                                      <p:to>
+                                        <p:strVal val="visible"/>
+                                      </p:to>
+                                    </p:set>
+                                  </p:childTnLst>
+                                </p:cTn>
+                              </p:par>
+                              <p:par>
+                                <p:cTn id="15" presetID="1" presetClass="entr" presetSubtype="0" fill="hold" nodeType="withEffect">
+                                  <p:stCondLst>
+                                    <p:cond delay="0"/>
+                                  </p:stCondLst>
+                                  <p:childTnLst>
+                                    <p:set>
+                                      <p:cBhvr>
+                                        <p:cTn id="16" dur="1" fill="hold">
+                                          <p:stCondLst>
+                                            <p:cond delay="0"/>
+                                          </p:stCondLst>
+                                        </p:cTn>
+                                        <p:tgtEl>
+                                          <p:spTgt spid="9"/>
+                                        </p:tgtEl>
+                                        <p:attrNameLst>
+                                          <p:attrName>style.visibility</p:attrName>
+                                        </p:attrNameLst>
+                                      </p:cBhvr>
+                                      <p:to>
+                                        <p:strVal val="visible"/>
+                                      </p:to>
+                                    </p:set>
+                                  </p:childTnLst>
+                                </p:cTn>
+                              </p:par>
+                              <p:par>
+                                <p:cTn id="17" presetID="1" presetClass="entr" presetSubtype="0" fill="hold" nodeType="withEffect">
+                                  <p:stCondLst>
+                                    <p:cond delay="0"/>
+                                  </p:stCondLst>
+                                  <p:childTnLst>
+                                    <p:set>
+                                      <p:cBhvr>
+                                        <p:cTn id="18" dur="1" fill="hold">
+                                          <p:stCondLst>
+                                            <p:cond delay="0"/>
+                                          </p:stCondLst>
+                                        </p:cTn>
+                                        <p:tgtEl>
+                                          <p:spTgt spid="12"/>
+                                        </p:tgtEl>
+                                        <p:attrNameLst>
+                                          <p:attrName>style.visibility</p:attrName>
+                                        </p:attrNameLst>
+                                      </p:cBhvr>
+                                      <p:to>
+                                        <p:strVal val="visible"/>
+                                      </p:to>
+                                    </p:set>
+                                  </p:childTnLst>
+                                </p:cTn>
+                              </p:par>
+                              <p:par>
+                                <p:cTn id="19" presetID="1" presetClass="entr" presetSubtype="0" fill="hold" nodeType="withEffect">
+                                  <p:stCondLst>
+                                    <p:cond delay="0"/>
+                                  </p:stCondLst>
+                                  <p:childTnLst>
+                                    <p:set>
+                                      <p:cBhvr>
+                                        <p:cTn id="20" dur="1" fill="hold">
+                                          <p:stCondLst>
+                                            <p:cond delay="0"/>
+                                          </p:stCondLst>
+                                        </p:cTn>
+                                        <p:tgtEl>
+                                          <p:spTgt spid="16"/>
+                                        </p:tgtEl>
+                                        <p:attrNameLst>
+                                          <p:attrName>style.visibility</p:attrName>
+                                        </p:attrNameLst>
+                                      </p:cBhvr>
+                                      <p:to>
+                                        <p:strVal val="visible"/>
+                                      </p:to>
+                                    </p:set>
+                                  </p:childTnLst>
+                                </p:cTn>
+                              </p:par>
+                            </p:childTnLst>
+                          </p:cTn>
+                        </p:par>
+                      </p:childTnLst>
+                    </p:cTn>
+                  </p:par>
+                </p:childTnLst>
+              </p:cTn>
+              <p:prevCondLst>
+                <p:cond evt="onPrev" delay="0">
+                  <p:tgtEl>
+                    <p:sldTgt/>
+                  </p:tgtEl>
+                </p:cond>
+              </p:prevCondLst>
+              <p:nextCondLst>
+                <p:cond evt="onNext" delay="0">
+                  <p:tgtEl>
+                    <p:sldTgt/>
+                  </p:tgtEl>
+                </p:cond>
+              </p:nextCondLst>
+            </p:seq>
+          </p:childTnLst>
+        </p:cTn>
       </p:par>
     </p:tnLst>
   </p:timing>
@@ -6677,7 +6934,7 @@
         <p:spPr/>
         <p:txBody>
           <a:bodyPr>
-            <a:normAutofit/>
+            <a:normAutofit fontScale="90000"/>
           </a:bodyPr>
           <a:lstStyle/>
           <a:p>
@@ -6725,7 +6982,7 @@
         <p:spPr>
           <a:xfrm>
             <a:off x="2522300" y="1393162"/>
-            <a:ext cx="9364899" cy="5464838"/>
+            <a:ext cx="7360609" cy="5464838"/>
           </a:xfrm>
           <a:prstGeom prst="rect">
             <a:avLst/>
@@ -6930,7 +7187,7 @@
               <a:buNone/>
               <a:defRPr/>
             </a:pPr>
-            <a:endParaRPr lang="he-IL" sz="2400" b="1" dirty="0" smtClean="0"/>
+            <a:endParaRPr lang="he-IL" sz="2000" b="1" dirty="0" smtClean="0"/>
           </a:p>
           <a:p>
             <a:pPr marL="0" indent="0">
@@ -6939,26 +7196,26 @@
               <a:defRPr/>
             </a:pPr>
             <a:r>
-              <a:rPr lang="ar-EG" sz="4000" b="1" dirty="0" smtClean="0">
+              <a:rPr lang="ar-EG" sz="3600" b="1" dirty="0" smtClean="0">
                 <a:latin typeface="Ara Hamah Alislam" panose="00000500000000000000" pitchFamily="2" charset="-78"/>
                 <a:cs typeface="Ara Hamah Alislam" panose="00000500000000000000" pitchFamily="2" charset="-78"/>
               </a:rPr>
               <a:t>روبوت عسكري يستخدمه الجيش</a:t>
             </a:r>
             <a:r>
-              <a:rPr lang="he-IL" sz="4000" b="1" dirty="0" smtClean="0">
+              <a:rPr lang="he-IL" sz="3600" b="1" dirty="0" smtClean="0">
                 <a:latin typeface="Ara Hamah Alislam" panose="00000500000000000000" pitchFamily="2" charset="-78"/>
               </a:rPr>
               <a:t>:</a:t>
             </a:r>
             <a:r>
-              <a:rPr lang="ar-EG" sz="4000" b="1" dirty="0" smtClean="0">
+              <a:rPr lang="ar-EG" sz="3600" b="1" dirty="0" smtClean="0">
                 <a:latin typeface="Ara Hamah Alislam" panose="00000500000000000000" pitchFamily="2" charset="-78"/>
               </a:rPr>
               <a:t> </a:t>
             </a:r>
             <a:r>
-              <a:rPr lang="ar-EG" sz="4000" b="1" dirty="0" smtClean="0">
+              <a:rPr lang="ar-EG" sz="3600" b="1" dirty="0" smtClean="0">
                 <a:solidFill>
                   <a:srgbClr val="FFC000"/>
                 </a:solidFill>
@@ -6969,40 +7226,58 @@
               <a:t>فيديو</a:t>
             </a:r>
             <a:r>
-              <a:rPr lang="ar-EG" sz="4000" b="1" dirty="0" smtClean="0">
+              <a:rPr lang="ar-EG" sz="3600" b="1" dirty="0" smtClean="0">
                 <a:latin typeface="Ara Hamah Alislam" panose="00000500000000000000" pitchFamily="2" charset="-78"/>
                 <a:cs typeface="Ara Hamah Alislam" panose="00000500000000000000" pitchFamily="2" charset="-78"/>
               </a:rPr>
               <a:t> </a:t>
             </a:r>
             <a:r>
-              <a:rPr lang="en-US" sz="4000" dirty="0" smtClean="0">
+              <a:rPr lang="en-US" sz="3600" dirty="0" smtClean="0">
                 <a:latin typeface="Ara Hamah Alislam" panose="00000500000000000000" pitchFamily="2" charset="-78"/>
                 <a:cs typeface="Ara Hamah Alislam" panose="00000500000000000000" pitchFamily="2" charset="-78"/>
               </a:rPr>
               <a:t/>
             </a:r>
             <a:br>
-              <a:rPr lang="en-US" sz="4000" dirty="0" smtClean="0">
+              <a:rPr lang="en-US" sz="3600" dirty="0" smtClean="0">
                 <a:latin typeface="Ara Hamah Alislam" panose="00000500000000000000" pitchFamily="2" charset="-78"/>
                 <a:cs typeface="Ara Hamah Alislam" panose="00000500000000000000" pitchFamily="2" charset="-78"/>
               </a:rPr>
             </a:br>
-            <a:r>
-              <a:rPr lang="ar-EG" sz="4000" b="1" dirty="0" smtClean="0">
+            <a:endParaRPr lang="he-IL" sz="3600" dirty="0" smtClean="0">
+              <a:latin typeface="Ara Hamah Alislam" panose="00000500000000000000" pitchFamily="2" charset="-78"/>
+              <a:cs typeface="Ara Hamah Alislam" panose="00000500000000000000" pitchFamily="2" charset="-78"/>
+            </a:endParaRPr>
+          </a:p>
+          <a:p>
+            <a:pPr marL="0" indent="0">
+              <a:buFont typeface="Wingdings" pitchFamily="2" charset="2"/>
+              <a:buNone/>
+              <a:defRPr/>
+            </a:pPr>
+            <a:r>
+              <a:rPr lang="ar-EG" sz="3600" b="1" dirty="0" smtClean="0">
                 <a:latin typeface="Ara Hamah Alislam" panose="00000500000000000000" pitchFamily="2" charset="-78"/>
                 <a:cs typeface="Ara Hamah Alislam" panose="00000500000000000000" pitchFamily="2" charset="-78"/>
               </a:rPr>
-              <a:t>روبوتات لتصنيف الرزم في المخزن</a:t>
-            </a:r>
-            <a:r>
-              <a:rPr lang="he-IL" sz="4000" b="1" dirty="0" smtClean="0">
+              <a:t>روبوتات </a:t>
+            </a:r>
+            <a:r>
+              <a:rPr lang="ar-EG" sz="3600" b="1" dirty="0" smtClean="0">
+                <a:latin typeface="Ara Hamah Alislam" panose="00000500000000000000" pitchFamily="2" charset="-78"/>
+                <a:cs typeface="Ara Hamah Alislam" panose="00000500000000000000" pitchFamily="2" charset="-78"/>
+              </a:rPr>
+              <a:t>لتصنيف الرزم في المخزن</a:t>
+            </a:r>
+            <a:r>
+              <a:rPr lang="he-IL" sz="3600" b="1" dirty="0" smtClean="0">
                 <a:latin typeface="Ara Hamah Alislam" panose="00000500000000000000" pitchFamily="2" charset="-78"/>
               </a:rPr>
               <a:t>: </a:t>
             </a:r>
             <a:r>
-              <a:rPr lang="ar-EG" sz="4000" b="1" dirty="0" smtClean="0">
+              <a:rPr lang="ar-EG" sz="3600" b="1" dirty="0" smtClean="0">
                 <a:solidFill>
                   <a:srgbClr val="FFC000"/>
                 </a:solidFill>
@@ -7013,7 +7288,7 @@
               <a:t>فيديو</a:t>
             </a:r>
             <a:r>
-              <a:rPr lang="en-US" sz="4000" dirty="0" smtClean="0">
+              <a:rPr lang="en-US" sz="3600" dirty="0" smtClean="0">
                 <a:latin typeface="Ara Hamah Alislam" panose="00000500000000000000" pitchFamily="2" charset="-78"/>
                 <a:cs typeface="Ara Hamah Alislam" panose="00000500000000000000" pitchFamily="2" charset="-78"/>
                 <a:hlinkClick r:id="rId5"/>
@@ -7021,54 +7296,54 @@
               <a:t/>
             </a:r>
             <a:br>
-              <a:rPr lang="en-US" sz="4000" dirty="0" smtClean="0">
+              <a:rPr lang="en-US" sz="3600" dirty="0" smtClean="0">
                 <a:latin typeface="Ara Hamah Alislam" panose="00000500000000000000" pitchFamily="2" charset="-78"/>
                 <a:cs typeface="Ara Hamah Alislam" panose="00000500000000000000" pitchFamily="2" charset="-78"/>
                 <a:hlinkClick r:id="rId5"/>
               </a:rPr>
             </a:br>
             <a:r>
-              <a:rPr lang="en-US" sz="4000" dirty="0" smtClean="0">
+              <a:rPr lang="en-US" sz="3600" dirty="0" smtClean="0">
                 <a:latin typeface="Ara Hamah Alislam" panose="00000500000000000000" pitchFamily="2" charset="-78"/>
                 <a:cs typeface="Ara Hamah Alislam" panose="00000500000000000000" pitchFamily="2" charset="-78"/>
               </a:rPr>
               <a:t/>
             </a:r>
             <a:br>
-              <a:rPr lang="en-US" sz="4000" dirty="0" smtClean="0">
+              <a:rPr lang="en-US" sz="3600" dirty="0" smtClean="0">
                 <a:latin typeface="Ara Hamah Alislam" panose="00000500000000000000" pitchFamily="2" charset="-78"/>
                 <a:cs typeface="Ara Hamah Alislam" panose="00000500000000000000" pitchFamily="2" charset="-78"/>
               </a:rPr>
             </a:br>
             <a:r>
-              <a:rPr lang="ar-EG" sz="4000" b="1" dirty="0" smtClean="0">
+              <a:rPr lang="ar-EG" sz="3600" b="1" dirty="0" smtClean="0">
                 <a:latin typeface="Ara Hamah Alislam" panose="00000500000000000000" pitchFamily="2" charset="-78"/>
                 <a:cs typeface="Ara Hamah Alislam" panose="00000500000000000000" pitchFamily="2" charset="-78"/>
               </a:rPr>
               <a:t>روبوت </a:t>
             </a:r>
             <a:r>
-              <a:rPr lang="ar-EG" sz="4000" b="1" dirty="0" err="1" smtClean="0">
+              <a:rPr lang="ar-EG" sz="3600" b="1" dirty="0" err="1" smtClean="0">
                 <a:latin typeface="Ara Hamah Alislam" panose="00000500000000000000" pitchFamily="2" charset="-78"/>
                 <a:cs typeface="Ara Hamah Alislam" panose="00000500000000000000" pitchFamily="2" charset="-78"/>
               </a:rPr>
               <a:t>دافينتشي</a:t>
             </a:r>
             <a:r>
-              <a:rPr lang="ar-EG" sz="4000" b="1" dirty="0" smtClean="0">
+              <a:rPr lang="ar-EG" sz="3600" b="1" dirty="0" smtClean="0">
                 <a:latin typeface="Ara Hamah Alislam" panose="00000500000000000000" pitchFamily="2" charset="-78"/>
                 <a:cs typeface="Ara Hamah Alislam" panose="00000500000000000000" pitchFamily="2" charset="-78"/>
               </a:rPr>
               <a:t> لإجراء عملية جراحية من بعد</a:t>
             </a:r>
             <a:r>
-              <a:rPr lang="he-IL" sz="4000" b="1" dirty="0" smtClean="0">
+              <a:rPr lang="he-IL" sz="3600" b="1" dirty="0" smtClean="0">
                 <a:latin typeface="Ara Hamah Alislam" panose="00000500000000000000" pitchFamily="2" charset="-78"/>
               </a:rPr>
               <a:t>: </a:t>
             </a:r>
             <a:r>
-              <a:rPr lang="ar-EG" sz="4000" b="1" dirty="0" smtClean="0">
+              <a:rPr lang="ar-EG" sz="3600" b="1" dirty="0" smtClean="0">
                 <a:solidFill>
                   <a:srgbClr val="FFC000"/>
                 </a:solidFill>
@@ -7079,46 +7354,46 @@
               <a:t>فيديو</a:t>
             </a:r>
             <a:r>
-              <a:rPr lang="he-IL" sz="4000" dirty="0" smtClean="0">
+              <a:rPr lang="he-IL" sz="3600" dirty="0" smtClean="0">
                 <a:latin typeface="Ara Hamah Alislam" panose="00000500000000000000" pitchFamily="2" charset="-78"/>
               </a:rPr>
               <a:t/>
             </a:r>
             <a:br>
-              <a:rPr lang="he-IL" sz="4000" dirty="0" smtClean="0">
+              <a:rPr lang="he-IL" sz="3600" dirty="0" smtClean="0">
                 <a:latin typeface="Ara Hamah Alislam" panose="00000500000000000000" pitchFamily="2" charset="-78"/>
               </a:rPr>
             </a:br>
             <a:r>
-              <a:rPr lang="en-US" sz="4000" dirty="0" smtClean="0">
+              <a:rPr lang="en-US" sz="3600" dirty="0" smtClean="0">
                 <a:latin typeface="Ara Hamah Alislam" panose="00000500000000000000" pitchFamily="2" charset="-78"/>
                 <a:cs typeface="Ara Hamah Alislam" panose="00000500000000000000" pitchFamily="2" charset="-78"/>
                 <a:hlinkClick r:id="rId6"/>
               </a:rPr>
-              <a:t> </a:t>
+              <a:t/>
             </a:r>
             <a:br>
-              <a:rPr lang="en-US" sz="4000" dirty="0" smtClean="0">
+              <a:rPr lang="en-US" sz="3600" dirty="0" smtClean="0">
                 <a:latin typeface="Ara Hamah Alislam" panose="00000500000000000000" pitchFamily="2" charset="-78"/>
                 <a:cs typeface="Ara Hamah Alislam" panose="00000500000000000000" pitchFamily="2" charset="-78"/>
                 <a:hlinkClick r:id="rId6"/>
               </a:rPr>
             </a:br>
             <a:r>
-              <a:rPr lang="ar-EG" sz="4000" b="1" dirty="0" smtClean="0">
+              <a:rPr lang="ar-EG" sz="3600" b="1" dirty="0" smtClean="0">
                 <a:latin typeface="Ara Hamah Alislam" panose="00000500000000000000" pitchFamily="2" charset="-78"/>
                 <a:cs typeface="Ara Hamah Alislam" panose="00000500000000000000" pitchFamily="2" charset="-78"/>
               </a:rPr>
               <a:t>روبوت سيارة قادر على القيادة والتوقف في الموقف بشكل اوتوماتيكي</a:t>
             </a:r>
             <a:r>
-              <a:rPr lang="he-IL" sz="4000" b="1" dirty="0" smtClean="0">
+              <a:rPr lang="he-IL" sz="3600" b="1" dirty="0" smtClean="0">
                 <a:latin typeface="Ara Hamah Alislam" panose="00000500000000000000" pitchFamily="2" charset="-78"/>
               </a:rPr>
               <a:t>: </a:t>
             </a:r>
             <a:r>
-              <a:rPr lang="ar-EG" sz="4000" b="1" dirty="0" smtClean="0">
+              <a:rPr lang="ar-EG" sz="3600" b="1" dirty="0" smtClean="0">
                 <a:solidFill>
                   <a:srgbClr val="FFC000"/>
                 </a:solidFill>
@@ -7129,28 +7404,28 @@
               <a:t>فيديو</a:t>
             </a:r>
             <a:r>
-              <a:rPr lang="he-IL" sz="4000" dirty="0" smtClean="0">
+              <a:rPr lang="he-IL" sz="3600" dirty="0" smtClean="0">
                 <a:latin typeface="Ara Hamah Alislam" panose="00000500000000000000" pitchFamily="2" charset="-78"/>
               </a:rPr>
               <a:t/>
             </a:r>
             <a:br>
-              <a:rPr lang="he-IL" sz="4000" dirty="0" smtClean="0">
+              <a:rPr lang="he-IL" sz="3600" dirty="0" smtClean="0">
                 <a:latin typeface="Ara Hamah Alislam" panose="00000500000000000000" pitchFamily="2" charset="-78"/>
               </a:rPr>
             </a:br>
             <a:r>
-              <a:rPr lang="en-US" sz="3600" dirty="0" smtClean="0">
+              <a:rPr lang="en-US" dirty="0" smtClean="0">
                 <a:hlinkClick r:id="rId8"/>
               </a:rPr>
               <a:t/>
             </a:r>
             <a:br>
-              <a:rPr lang="en-US" sz="3600" dirty="0" smtClean="0">
+              <a:rPr lang="en-US" dirty="0" smtClean="0">
                 <a:hlinkClick r:id="rId8"/>
               </a:rPr>
             </a:br>
-            <a:endParaRPr lang="en-US" sz="3600" dirty="0" smtClean="0"/>
+            <a:endParaRPr lang="en-US" dirty="0" smtClean="0"/>
           </a:p>
           <a:p>
             <a:pPr marL="0" indent="0" eaLnBrk="1" hangingPunct="1">
@@ -7164,7 +7439,7 @@
               <a:buNone/>
               <a:defRPr/>
             </a:pPr>
-            <a:endParaRPr lang="en-US" altLang="en-US" sz="2400" kern="0" dirty="0" smtClean="0">
+            <a:endParaRPr lang="en-US" altLang="en-US" sz="2000" kern="0" dirty="0" smtClean="0">
               <a:solidFill>
                 <a:srgbClr val="000000"/>
               </a:solidFill>
@@ -7302,7 +7577,7 @@
     </p:spTree>
     <p:extLst>
       <p:ext uri="{BB962C8B-B14F-4D97-AF65-F5344CB8AC3E}">
-        <p14:creationId xmlns:p14="http://schemas.microsoft.com/office/powerpoint/2010/main" val="2508929371"/>
+        <p14:creationId xmlns="" xmlns:p14="http://schemas.microsoft.com/office/powerpoint/2010/main" val="2508929371"/>
       </p:ext>
     </p:extLst>
   </p:cSld>
@@ -7385,7 +7660,7 @@
         </p:spPr>
         <p:txBody>
           <a:bodyPr>
-            <a:normAutofit/>
+            <a:normAutofit lnSpcReduction="10000"/>
           </a:bodyPr>
           <a:lstStyle/>
           <a:p>
@@ -7433,7 +7708,7 @@
     </p:spTree>
     <p:extLst>
       <p:ext uri="{BB962C8B-B14F-4D97-AF65-F5344CB8AC3E}">
-        <p14:creationId xmlns:p14="http://schemas.microsoft.com/office/powerpoint/2010/main" val="2508929371"/>
+        <p14:creationId xmlns="" xmlns:p14="http://schemas.microsoft.com/office/powerpoint/2010/main" val="2508929371"/>
       </p:ext>
     </p:extLst>
   </p:cSld>
@@ -7550,7 +7825,7 @@
     </p:spTree>
     <p:extLst>
       <p:ext uri="{BB962C8B-B14F-4D97-AF65-F5344CB8AC3E}">
-        <p14:creationId xmlns:p14="http://schemas.microsoft.com/office/powerpoint/2010/main" val="2508929371"/>
+        <p14:creationId xmlns="" xmlns:p14="http://schemas.microsoft.com/office/powerpoint/2010/main" val="2508929371"/>
       </p:ext>
     </p:extLst>
   </p:cSld>
@@ -7818,7 +8093,7 @@
   <a:extraClrSchemeLst/>
   <a:extLst>
     <a:ext uri="{05A4C25C-085E-4340-85A3-A5531E510DB2}">
-      <thm15:themeFamily xmlns:thm15="http://schemas.microsoft.com/office/thememl/2012/main" name="Facet" id="{C0C680CD-088A-49FC-A102-D699147F32B2}" vid="{CFBC31BA-B70F-4F30-BCAA-4F3011E16C4D}"/>
+      <thm15:themeFamily xmlns="" xmlns:thm15="http://schemas.microsoft.com/office/thememl/2012/main" name="Facet" id="{C0C680CD-088A-49FC-A102-D699147F32B2}" vid="{CFBC31BA-B70F-4F30-BCAA-4F3011E16C4D}"/>
     </a:ext>
   </a:extLst>
 </a:theme>

--- a/src/ppt1_ar.pptx
+++ b/src/ppt1_ar.pptx
@@ -111,7 +111,7 @@
   </p:defaultTextStyle>
   <p:extLst>
     <p:ext uri="{EFAFB233-063F-42B5-8137-9DF3F51BA10A}">
-      <p15:sldGuideLst xmlns="" xmlns:p15="http://schemas.microsoft.com/office/powerpoint/2012/main">
+      <p15:sldGuideLst xmlns:p15="http://schemas.microsoft.com/office/powerpoint/2012/main" xmlns="">
         <p15:guide id="1" orient="horz" pos="2160">
           <p15:clr>
             <a:srgbClr val="A4A3A4"/>
@@ -851,7 +851,7 @@
             <a:fld id="{48A87A34-81AB-432B-8DAE-1953F412C126}" type="datetimeFigureOut">
               <a:rPr lang="en-US" smtClean="0"/>
               <a:pPr/>
-              <a:t>2/26/2018</a:t>
+              <a:t>5/8/2018</a:t>
             </a:fld>
             <a:endParaRPr lang="en-US" dirty="0"/>
           </a:p>
@@ -903,7 +903,7 @@
     </p:spTree>
     <p:extLst>
       <p:ext uri="{BB962C8B-B14F-4D97-AF65-F5344CB8AC3E}">
-        <p14:creationId xmlns="" xmlns:p14="http://schemas.microsoft.com/office/powerpoint/2010/main" val="2379700270"/>
+        <p14:creationId xmlns:p14="http://schemas.microsoft.com/office/powerpoint/2010/main" xmlns="" val="2379700270"/>
       </p:ext>
     </p:extLst>
   </p:cSld>
@@ -1104,7 +1104,7 @@
             <a:fld id="{48A87A34-81AB-432B-8DAE-1953F412C126}" type="datetimeFigureOut">
               <a:rPr lang="en-US" smtClean="0"/>
               <a:pPr/>
-              <a:t>2/26/2018</a:t>
+              <a:t>5/8/2018</a:t>
             </a:fld>
             <a:endParaRPr lang="en-US" dirty="0"/>
           </a:p>
@@ -1156,7 +1156,7 @@
     </p:spTree>
     <p:extLst>
       <p:ext uri="{BB962C8B-B14F-4D97-AF65-F5344CB8AC3E}">
-        <p14:creationId xmlns="" xmlns:p14="http://schemas.microsoft.com/office/powerpoint/2010/main" val="1804991245"/>
+        <p14:creationId xmlns:p14="http://schemas.microsoft.com/office/powerpoint/2010/main" xmlns="" val="1804991245"/>
       </p:ext>
     </p:extLst>
   </p:cSld>
@@ -1420,7 +1420,7 @@
             <a:fld id="{48A87A34-81AB-432B-8DAE-1953F412C126}" type="datetimeFigureOut">
               <a:rPr lang="en-US" smtClean="0"/>
               <a:pPr/>
-              <a:t>2/26/2018</a:t>
+              <a:t>5/8/2018</a:t>
             </a:fld>
             <a:endParaRPr lang="en-US" dirty="0"/>
           </a:p>
@@ -1562,7 +1562,7 @@
     </p:spTree>
     <p:extLst>
       <p:ext uri="{BB962C8B-B14F-4D97-AF65-F5344CB8AC3E}">
-        <p14:creationId xmlns="" xmlns:p14="http://schemas.microsoft.com/office/powerpoint/2010/main" val="1473712570"/>
+        <p14:creationId xmlns:p14="http://schemas.microsoft.com/office/powerpoint/2010/main" xmlns="" val="1473712570"/>
       </p:ext>
     </p:extLst>
   </p:cSld>
@@ -1763,7 +1763,7 @@
             <a:fld id="{48A87A34-81AB-432B-8DAE-1953F412C126}" type="datetimeFigureOut">
               <a:rPr lang="en-US" smtClean="0"/>
               <a:pPr/>
-              <a:t>2/26/2018</a:t>
+              <a:t>5/8/2018</a:t>
             </a:fld>
             <a:endParaRPr lang="en-US" dirty="0"/>
           </a:p>
@@ -1815,7 +1815,7 @@
     </p:spTree>
     <p:extLst>
       <p:ext uri="{BB962C8B-B14F-4D97-AF65-F5344CB8AC3E}">
-        <p14:creationId xmlns="" xmlns:p14="http://schemas.microsoft.com/office/powerpoint/2010/main" val="2530574234"/>
+        <p14:creationId xmlns:p14="http://schemas.microsoft.com/office/powerpoint/2010/main" xmlns="" val="2530574234"/>
       </p:ext>
     </p:extLst>
   </p:cSld>
@@ -2079,7 +2079,7 @@
             <a:fld id="{48A87A34-81AB-432B-8DAE-1953F412C126}" type="datetimeFigureOut">
               <a:rPr lang="en-US" smtClean="0"/>
               <a:pPr/>
-              <a:t>2/26/2018</a:t>
+              <a:t>5/8/2018</a:t>
             </a:fld>
             <a:endParaRPr lang="en-US" dirty="0"/>
           </a:p>
@@ -2213,7 +2213,7 @@
     </p:spTree>
     <p:extLst>
       <p:ext uri="{BB962C8B-B14F-4D97-AF65-F5344CB8AC3E}">
-        <p14:creationId xmlns="" xmlns:p14="http://schemas.microsoft.com/office/powerpoint/2010/main" val="1004790222"/>
+        <p14:creationId xmlns:p14="http://schemas.microsoft.com/office/powerpoint/2010/main" xmlns="" val="1004790222"/>
       </p:ext>
     </p:extLst>
   </p:cSld>
@@ -2474,7 +2474,7 @@
             <a:fld id="{48A87A34-81AB-432B-8DAE-1953F412C126}" type="datetimeFigureOut">
               <a:rPr lang="en-US" smtClean="0"/>
               <a:pPr/>
-              <a:t>2/26/2018</a:t>
+              <a:t>5/8/2018</a:t>
             </a:fld>
             <a:endParaRPr lang="en-US" dirty="0"/>
           </a:p>
@@ -2526,7 +2526,7 @@
     </p:spTree>
     <p:extLst>
       <p:ext uri="{BB962C8B-B14F-4D97-AF65-F5344CB8AC3E}">
-        <p14:creationId xmlns="" xmlns:p14="http://schemas.microsoft.com/office/powerpoint/2010/main" val="3328784466"/>
+        <p14:creationId xmlns:p14="http://schemas.microsoft.com/office/powerpoint/2010/main" xmlns="" val="3328784466"/>
       </p:ext>
     </p:extLst>
   </p:cSld>
@@ -2646,7 +2646,7 @@
             <a:fld id="{48A87A34-81AB-432B-8DAE-1953F412C126}" type="datetimeFigureOut">
               <a:rPr lang="en-US" smtClean="0"/>
               <a:pPr/>
-              <a:t>2/26/2018</a:t>
+              <a:t>5/8/2018</a:t>
             </a:fld>
             <a:endParaRPr lang="en-US" dirty="0"/>
           </a:p>
@@ -2698,7 +2698,7 @@
     </p:spTree>
     <p:extLst>
       <p:ext uri="{BB962C8B-B14F-4D97-AF65-F5344CB8AC3E}">
-        <p14:creationId xmlns="" xmlns:p14="http://schemas.microsoft.com/office/powerpoint/2010/main" val="1447070425"/>
+        <p14:creationId xmlns:p14="http://schemas.microsoft.com/office/powerpoint/2010/main" xmlns="" val="1447070425"/>
       </p:ext>
     </p:extLst>
   </p:cSld>
@@ -2828,7 +2828,7 @@
             <a:fld id="{48A87A34-81AB-432B-8DAE-1953F412C126}" type="datetimeFigureOut">
               <a:rPr lang="en-US" smtClean="0"/>
               <a:pPr/>
-              <a:t>2/26/2018</a:t>
+              <a:t>5/8/2018</a:t>
             </a:fld>
             <a:endParaRPr lang="en-US" dirty="0"/>
           </a:p>
@@ -2880,7 +2880,7 @@
     </p:spTree>
     <p:extLst>
       <p:ext uri="{BB962C8B-B14F-4D97-AF65-F5344CB8AC3E}">
-        <p14:creationId xmlns="" xmlns:p14="http://schemas.microsoft.com/office/powerpoint/2010/main" val="3648480235"/>
+        <p14:creationId xmlns:p14="http://schemas.microsoft.com/office/powerpoint/2010/main" xmlns="" val="3648480235"/>
       </p:ext>
     </p:extLst>
   </p:cSld>
@@ -3006,7 +3006,7 @@
             <a:fld id="{48A87A34-81AB-432B-8DAE-1953F412C126}" type="datetimeFigureOut">
               <a:rPr lang="en-US" smtClean="0"/>
               <a:pPr/>
-              <a:t>2/26/2018</a:t>
+              <a:t>5/8/2018</a:t>
             </a:fld>
             <a:endParaRPr lang="en-US" dirty="0"/>
           </a:p>
@@ -3058,7 +3058,7 @@
     </p:spTree>
     <p:extLst>
       <p:ext uri="{BB962C8B-B14F-4D97-AF65-F5344CB8AC3E}">
-        <p14:creationId xmlns="" xmlns:p14="http://schemas.microsoft.com/office/powerpoint/2010/main" val="2649633687"/>
+        <p14:creationId xmlns:p14="http://schemas.microsoft.com/office/powerpoint/2010/main" xmlns="" val="2649633687"/>
       </p:ext>
     </p:extLst>
   </p:cSld>
@@ -3255,7 +3255,7 @@
             <a:fld id="{48A87A34-81AB-432B-8DAE-1953F412C126}" type="datetimeFigureOut">
               <a:rPr lang="en-US" smtClean="0"/>
               <a:pPr/>
-              <a:t>2/26/2018</a:t>
+              <a:t>5/8/2018</a:t>
             </a:fld>
             <a:endParaRPr lang="en-US" dirty="0"/>
           </a:p>
@@ -3307,7 +3307,7 @@
     </p:spTree>
     <p:extLst>
       <p:ext uri="{BB962C8B-B14F-4D97-AF65-F5344CB8AC3E}">
-        <p14:creationId xmlns="" xmlns:p14="http://schemas.microsoft.com/office/powerpoint/2010/main" val="572893903"/>
+        <p14:creationId xmlns:p14="http://schemas.microsoft.com/office/powerpoint/2010/main" xmlns="" val="572893903"/>
       </p:ext>
     </p:extLst>
   </p:cSld>
@@ -3489,7 +3489,7 @@
             <a:fld id="{48A87A34-81AB-432B-8DAE-1953F412C126}" type="datetimeFigureOut">
               <a:rPr lang="en-US" smtClean="0"/>
               <a:pPr/>
-              <a:t>2/26/2018</a:t>
+              <a:t>5/8/2018</a:t>
             </a:fld>
             <a:endParaRPr lang="en-US" dirty="0"/>
           </a:p>
@@ -3541,7 +3541,7 @@
     </p:spTree>
     <p:extLst>
       <p:ext uri="{BB962C8B-B14F-4D97-AF65-F5344CB8AC3E}">
-        <p14:creationId xmlns="" xmlns:p14="http://schemas.microsoft.com/office/powerpoint/2010/main" val="3918475607"/>
+        <p14:creationId xmlns:p14="http://schemas.microsoft.com/office/powerpoint/2010/main" xmlns="" val="3918475607"/>
       </p:ext>
     </p:extLst>
   </p:cSld>
@@ -3865,7 +3865,7 @@
             <a:fld id="{48A87A34-81AB-432B-8DAE-1953F412C126}" type="datetimeFigureOut">
               <a:rPr lang="en-US" smtClean="0"/>
               <a:pPr/>
-              <a:t>2/26/2018</a:t>
+              <a:t>5/8/2018</a:t>
             </a:fld>
             <a:endParaRPr lang="en-US" dirty="0"/>
           </a:p>
@@ -3917,7 +3917,7 @@
     </p:spTree>
     <p:extLst>
       <p:ext uri="{BB962C8B-B14F-4D97-AF65-F5344CB8AC3E}">
-        <p14:creationId xmlns="" xmlns:p14="http://schemas.microsoft.com/office/powerpoint/2010/main" val="70569158"/>
+        <p14:creationId xmlns:p14="http://schemas.microsoft.com/office/powerpoint/2010/main" xmlns="" val="70569158"/>
       </p:ext>
     </p:extLst>
   </p:cSld>
@@ -3990,7 +3990,7 @@
             <a:fld id="{48A87A34-81AB-432B-8DAE-1953F412C126}" type="datetimeFigureOut">
               <a:rPr lang="en-US" smtClean="0"/>
               <a:pPr/>
-              <a:t>2/26/2018</a:t>
+              <a:t>5/8/2018</a:t>
             </a:fld>
             <a:endParaRPr lang="en-US" dirty="0"/>
           </a:p>
@@ -4042,7 +4042,7 @@
     </p:spTree>
     <p:extLst>
       <p:ext uri="{BB962C8B-B14F-4D97-AF65-F5344CB8AC3E}">
-        <p14:creationId xmlns="" xmlns:p14="http://schemas.microsoft.com/office/powerpoint/2010/main" val="3956773614"/>
+        <p14:creationId xmlns:p14="http://schemas.microsoft.com/office/powerpoint/2010/main" xmlns="" val="3956773614"/>
       </p:ext>
     </p:extLst>
   </p:cSld>
@@ -4087,7 +4087,7 @@
             <a:fld id="{48A87A34-81AB-432B-8DAE-1953F412C126}" type="datetimeFigureOut">
               <a:rPr lang="en-US" smtClean="0"/>
               <a:pPr/>
-              <a:t>2/26/2018</a:t>
+              <a:t>5/8/2018</a:t>
             </a:fld>
             <a:endParaRPr lang="en-US" dirty="0"/>
           </a:p>
@@ -4139,7 +4139,7 @@
     </p:spTree>
     <p:extLst>
       <p:ext uri="{BB962C8B-B14F-4D97-AF65-F5344CB8AC3E}">
-        <p14:creationId xmlns="" xmlns:p14="http://schemas.microsoft.com/office/powerpoint/2010/main" val="843387325"/>
+        <p14:creationId xmlns:p14="http://schemas.microsoft.com/office/powerpoint/2010/main" xmlns="" val="843387325"/>
       </p:ext>
     </p:extLst>
   </p:cSld>
@@ -4344,7 +4344,7 @@
             <a:fld id="{48A87A34-81AB-432B-8DAE-1953F412C126}" type="datetimeFigureOut">
               <a:rPr lang="en-US" smtClean="0"/>
               <a:pPr/>
-              <a:t>2/26/2018</a:t>
+              <a:t>5/8/2018</a:t>
             </a:fld>
             <a:endParaRPr lang="en-US" dirty="0"/>
           </a:p>
@@ -4396,7 +4396,7 @@
     </p:spTree>
     <p:extLst>
       <p:ext uri="{BB962C8B-B14F-4D97-AF65-F5344CB8AC3E}">
-        <p14:creationId xmlns="" xmlns:p14="http://schemas.microsoft.com/office/powerpoint/2010/main" val="614752468"/>
+        <p14:creationId xmlns:p14="http://schemas.microsoft.com/office/powerpoint/2010/main" xmlns="" val="614752468"/>
       </p:ext>
     </p:extLst>
   </p:cSld>
@@ -4609,7 +4609,7 @@
             <a:fld id="{48A87A34-81AB-432B-8DAE-1953F412C126}" type="datetimeFigureOut">
               <a:rPr lang="en-US" smtClean="0"/>
               <a:pPr/>
-              <a:t>2/26/2018</a:t>
+              <a:t>5/8/2018</a:t>
             </a:fld>
             <a:endParaRPr lang="en-US" dirty="0"/>
           </a:p>
@@ -4661,7 +4661,7 @@
     </p:spTree>
     <p:extLst>
       <p:ext uri="{BB962C8B-B14F-4D97-AF65-F5344CB8AC3E}">
-        <p14:creationId xmlns="" xmlns:p14="http://schemas.microsoft.com/office/powerpoint/2010/main" val="2525773852"/>
+        <p14:creationId xmlns:p14="http://schemas.microsoft.com/office/powerpoint/2010/main" xmlns="" val="2525773852"/>
       </p:ext>
     </p:extLst>
   </p:cSld>
@@ -5354,7 +5354,7 @@
             <a:fld id="{48A87A34-81AB-432B-8DAE-1953F412C126}" type="datetimeFigureOut">
               <a:rPr lang="en-US" smtClean="0"/>
               <a:pPr/>
-              <a:t>2/26/2018</a:t>
+              <a:t>5/8/2018</a:t>
             </a:fld>
             <a:endParaRPr lang="en-US" dirty="0"/>
           </a:p>
@@ -5440,7 +5440,7 @@
     </p:spTree>
     <p:extLst>
       <p:ext uri="{BB962C8B-B14F-4D97-AF65-F5344CB8AC3E}">
-        <p14:creationId xmlns="" xmlns:p14="http://schemas.microsoft.com/office/powerpoint/2010/main" val="2849168193"/>
+        <p14:creationId xmlns:p14="http://schemas.microsoft.com/office/powerpoint/2010/main" xmlns="" val="2849168193"/>
       </p:ext>
     </p:extLst>
   </p:cSld>
@@ -5978,7 +5978,7 @@
           <a:blip r:embed="rId2" cstate="print">
             <a:extLst>
               <a:ext uri="{28A0092B-C50C-407E-A947-70E740481C1C}">
-                <a14:useLocalDpi xmlns="" xmlns:a14="http://schemas.microsoft.com/office/drawing/2010/main" val="0"/>
+                <a14:useLocalDpi xmlns:a14="http://schemas.microsoft.com/office/drawing/2010/main" xmlns="" val="0"/>
               </a:ext>
             </a:extLst>
           </a:blip>
@@ -5999,7 +5999,7 @@
     </p:spTree>
     <p:extLst>
       <p:ext uri="{BB962C8B-B14F-4D97-AF65-F5344CB8AC3E}">
-        <p14:creationId xmlns="" xmlns:p14="http://schemas.microsoft.com/office/powerpoint/2010/main" val="1597654807"/>
+        <p14:creationId xmlns:p14="http://schemas.microsoft.com/office/powerpoint/2010/main" xmlns="" val="1597654807"/>
       </p:ext>
     </p:extLst>
   </p:cSld>
@@ -6191,7 +6191,7 @@
     </p:spTree>
     <p:extLst>
       <p:ext uri="{BB962C8B-B14F-4D97-AF65-F5344CB8AC3E}">
-        <p14:creationId xmlns="" xmlns:p14="http://schemas.microsoft.com/office/powerpoint/2010/main" val="2508929371"/>
+        <p14:creationId xmlns:p14="http://schemas.microsoft.com/office/powerpoint/2010/main" xmlns="" val="2508929371"/>
       </p:ext>
     </p:extLst>
   </p:cSld>
@@ -6393,7 +6393,7 @@
           <a:blip r:embed="rId2" cstate="print">
             <a:extLst>
               <a:ext uri="{28A0092B-C50C-407E-A947-70E740481C1C}">
-                <a14:useLocalDpi xmlns="" xmlns:a14="http://schemas.microsoft.com/office/drawing/2010/main" val="0"/>
+                <a14:useLocalDpi xmlns:a14="http://schemas.microsoft.com/office/drawing/2010/main" xmlns="" val="0"/>
               </a:ext>
             </a:extLst>
           </a:blip>
@@ -6630,7 +6630,7 @@
     </p:spTree>
     <p:extLst>
       <p:ext uri="{BB962C8B-B14F-4D97-AF65-F5344CB8AC3E}">
-        <p14:creationId xmlns="" xmlns:p14="http://schemas.microsoft.com/office/powerpoint/2010/main" val="2508929371"/>
+        <p14:creationId xmlns:p14="http://schemas.microsoft.com/office/powerpoint/2010/main" xmlns="" val="2508929371"/>
       </p:ext>
     </p:extLst>
   </p:cSld>
@@ -7261,14 +7261,7 @@
                 <a:latin typeface="Ara Hamah Alislam" panose="00000500000000000000" pitchFamily="2" charset="-78"/>
                 <a:cs typeface="Ara Hamah Alislam" panose="00000500000000000000" pitchFamily="2" charset="-78"/>
               </a:rPr>
-              <a:t>روبوتات </a:t>
-            </a:r>
-            <a:r>
-              <a:rPr lang="ar-EG" sz="3600" b="1" dirty="0" smtClean="0">
-                <a:latin typeface="Ara Hamah Alislam" panose="00000500000000000000" pitchFamily="2" charset="-78"/>
-                <a:cs typeface="Ara Hamah Alislam" panose="00000500000000000000" pitchFamily="2" charset="-78"/>
-              </a:rPr>
-              <a:t>لتصنيف الرزم في المخزن</a:t>
+              <a:t>روبوتات لتصنيف الرزم في المخزن</a:t>
             </a:r>
             <a:r>
               <a:rPr lang="he-IL" sz="3600" b="1" dirty="0" smtClean="0">
@@ -7577,7 +7570,7 @@
     </p:spTree>
     <p:extLst>
       <p:ext uri="{BB962C8B-B14F-4D97-AF65-F5344CB8AC3E}">
-        <p14:creationId xmlns="" xmlns:p14="http://schemas.microsoft.com/office/powerpoint/2010/main" val="2508929371"/>
+        <p14:creationId xmlns:p14="http://schemas.microsoft.com/office/powerpoint/2010/main" xmlns="" val="2508929371"/>
       </p:ext>
     </p:extLst>
   </p:cSld>
@@ -7708,7 +7701,7 @@
     </p:spTree>
     <p:extLst>
       <p:ext uri="{BB962C8B-B14F-4D97-AF65-F5344CB8AC3E}">
-        <p14:creationId xmlns="" xmlns:p14="http://schemas.microsoft.com/office/powerpoint/2010/main" val="2508929371"/>
+        <p14:creationId xmlns:p14="http://schemas.microsoft.com/office/powerpoint/2010/main" xmlns="" val="2508929371"/>
       </p:ext>
     </p:extLst>
   </p:cSld>
@@ -7814,7 +7807,21 @@
                 <a:latin typeface="Ara Hamah Alislam" panose="00000500000000000000" pitchFamily="2" charset="-78"/>
                 <a:cs typeface="Ara Hamah Alislam" panose="00000500000000000000" pitchFamily="2" charset="-78"/>
               </a:rPr>
-              <a:t>إعادة المعدات والاسلاك الجاهزة الى المعلم </a:t>
+              <a:t>إعادة المعدات والاسلاك الجاهزة الى </a:t>
+            </a:r>
+            <a:r>
+              <a:rPr lang="ar-EG" sz="6000" dirty="0" smtClean="0">
+                <a:latin typeface="Ara Hamah Alislam" panose="00000500000000000000" pitchFamily="2" charset="-78"/>
+                <a:cs typeface="Ara Hamah Alislam" panose="00000500000000000000" pitchFamily="2" charset="-78"/>
+              </a:rPr>
+              <a:t>المعلم </a:t>
+            </a:r>
+            <a:r>
+              <a:rPr lang="en-US" sz="6000" smtClean="0">
+                <a:latin typeface="Ara Hamah Alislam" panose="00000500000000000000" pitchFamily="2" charset="-78"/>
+                <a:cs typeface="Ara Hamah Alislam" panose="00000500000000000000" pitchFamily="2" charset="-78"/>
+              </a:rPr>
+              <a:t>  </a:t>
             </a:r>
             <a:endParaRPr lang="he-IL" sz="6000" dirty="0" smtClean="0">
               <a:latin typeface="Ara Hamah Alislam" panose="00000500000000000000" pitchFamily="2" charset="-78"/>
@@ -7825,7 +7832,7 @@
     </p:spTree>
     <p:extLst>
       <p:ext uri="{BB962C8B-B14F-4D97-AF65-F5344CB8AC3E}">
-        <p14:creationId xmlns="" xmlns:p14="http://schemas.microsoft.com/office/powerpoint/2010/main" val="2508929371"/>
+        <p14:creationId xmlns:p14="http://schemas.microsoft.com/office/powerpoint/2010/main" xmlns="" val="2508929371"/>
       </p:ext>
     </p:extLst>
   </p:cSld>
@@ -8093,7 +8100,7 @@
   <a:extraClrSchemeLst/>
   <a:extLst>
     <a:ext uri="{05A4C25C-085E-4340-85A3-A5531E510DB2}">
-      <thm15:themeFamily xmlns="" xmlns:thm15="http://schemas.microsoft.com/office/thememl/2012/main" name="Facet" id="{C0C680CD-088A-49FC-A102-D699147F32B2}" vid="{CFBC31BA-B70F-4F30-BCAA-4F3011E16C4D}"/>
+      <thm15:themeFamily xmlns:thm15="http://schemas.microsoft.com/office/thememl/2012/main" xmlns="" name="Facet" id="{C0C680CD-088A-49FC-A102-D699147F32B2}" vid="{CFBC31BA-B70F-4F30-BCAA-4F3011E16C4D}"/>
     </a:ext>
   </a:extLst>
 </a:theme>
